--- a/documentation/detail_design/figs/systems_diagram.pptx
+++ b/documentation/detail_design/figs/systems_diagram.pptx
@@ -304,7 +304,7 @@
           <a:p>
             <a:fld id="{E66B24CA-399B-4047-8224-01590B4E0706}" type="datetimeFigureOut">
               <a:rPr lang="en-US" smtClean="0"/>
-              <a:t>12/6/2016</a:t>
+              <a:t>12/13/2016</a:t>
             </a:fld>
             <a:endParaRPr lang="en-US"/>
           </a:p>
@@ -474,7 +474,7 @@
           <a:p>
             <a:fld id="{E66B24CA-399B-4047-8224-01590B4E0706}" type="datetimeFigureOut">
               <a:rPr lang="en-US" smtClean="0"/>
-              <a:t>12/6/2016</a:t>
+              <a:t>12/13/2016</a:t>
             </a:fld>
             <a:endParaRPr lang="en-US"/>
           </a:p>
@@ -654,7 +654,7 @@
           <a:p>
             <a:fld id="{E66B24CA-399B-4047-8224-01590B4E0706}" type="datetimeFigureOut">
               <a:rPr lang="en-US" smtClean="0"/>
-              <a:t>12/6/2016</a:t>
+              <a:t>12/13/2016</a:t>
             </a:fld>
             <a:endParaRPr lang="en-US"/>
           </a:p>
@@ -824,7 +824,7 @@
           <a:p>
             <a:fld id="{E66B24CA-399B-4047-8224-01590B4E0706}" type="datetimeFigureOut">
               <a:rPr lang="en-US" smtClean="0"/>
-              <a:t>12/6/2016</a:t>
+              <a:t>12/13/2016</a:t>
             </a:fld>
             <a:endParaRPr lang="en-US"/>
           </a:p>
@@ -1070,7 +1070,7 @@
           <a:p>
             <a:fld id="{E66B24CA-399B-4047-8224-01590B4E0706}" type="datetimeFigureOut">
               <a:rPr lang="en-US" smtClean="0"/>
-              <a:t>12/6/2016</a:t>
+              <a:t>12/13/2016</a:t>
             </a:fld>
             <a:endParaRPr lang="en-US"/>
           </a:p>
@@ -1358,7 +1358,7 @@
           <a:p>
             <a:fld id="{E66B24CA-399B-4047-8224-01590B4E0706}" type="datetimeFigureOut">
               <a:rPr lang="en-US" smtClean="0"/>
-              <a:t>12/6/2016</a:t>
+              <a:t>12/13/2016</a:t>
             </a:fld>
             <a:endParaRPr lang="en-US"/>
           </a:p>
@@ -1780,7 +1780,7 @@
           <a:p>
             <a:fld id="{E66B24CA-399B-4047-8224-01590B4E0706}" type="datetimeFigureOut">
               <a:rPr lang="en-US" smtClean="0"/>
-              <a:t>12/6/2016</a:t>
+              <a:t>12/13/2016</a:t>
             </a:fld>
             <a:endParaRPr lang="en-US"/>
           </a:p>
@@ -1898,7 +1898,7 @@
           <a:p>
             <a:fld id="{E66B24CA-399B-4047-8224-01590B4E0706}" type="datetimeFigureOut">
               <a:rPr lang="en-US" smtClean="0"/>
-              <a:t>12/6/2016</a:t>
+              <a:t>12/13/2016</a:t>
             </a:fld>
             <a:endParaRPr lang="en-US"/>
           </a:p>
@@ -1993,7 +1993,7 @@
           <a:p>
             <a:fld id="{E66B24CA-399B-4047-8224-01590B4E0706}" type="datetimeFigureOut">
               <a:rPr lang="en-US" smtClean="0"/>
-              <a:t>12/6/2016</a:t>
+              <a:t>12/13/2016</a:t>
             </a:fld>
             <a:endParaRPr lang="en-US"/>
           </a:p>
@@ -2270,7 +2270,7 @@
           <a:p>
             <a:fld id="{E66B24CA-399B-4047-8224-01590B4E0706}" type="datetimeFigureOut">
               <a:rPr lang="en-US" smtClean="0"/>
-              <a:t>12/6/2016</a:t>
+              <a:t>12/13/2016</a:t>
             </a:fld>
             <a:endParaRPr lang="en-US"/>
           </a:p>
@@ -2523,7 +2523,7 @@
           <a:p>
             <a:fld id="{E66B24CA-399B-4047-8224-01590B4E0706}" type="datetimeFigureOut">
               <a:rPr lang="en-US" smtClean="0"/>
-              <a:t>12/6/2016</a:t>
+              <a:t>12/13/2016</a:t>
             </a:fld>
             <a:endParaRPr lang="en-US"/>
           </a:p>
@@ -2736,7 +2736,7 @@
           <a:p>
             <a:fld id="{E66B24CA-399B-4047-8224-01590B4E0706}" type="datetimeFigureOut">
               <a:rPr lang="en-US" smtClean="0"/>
-              <a:t>12/6/2016</a:t>
+              <a:t>12/13/2016</a:t>
             </a:fld>
             <a:endParaRPr lang="en-US"/>
           </a:p>
@@ -3119,7 +3119,7 @@
         </p:nvGrpSpPr>
         <p:grpSpPr>
           <a:xfrm>
-            <a:off x="90208" y="592072"/>
+            <a:off x="90208" y="331917"/>
             <a:ext cx="8939492" cy="6037328"/>
             <a:chOff x="90208" y="592072"/>
             <a:chExt cx="8085581" cy="4808064"/>
@@ -3227,7 +3227,7 @@
           </p:nvSpPr>
           <p:spPr>
             <a:xfrm>
-              <a:off x="6287750" y="1424433"/>
+              <a:off x="6274964" y="616696"/>
               <a:ext cx="1083187" cy="532581"/>
             </a:xfrm>
             <a:prstGeom prst="rect">
@@ -3267,63 +3267,6 @@
                   </a:solidFill>
                 </a:rPr>
                 <a:t>Input Image Scanner</a:t>
-              </a:r>
-              <a:endParaRPr lang="en-US" sz="1200" dirty="0">
-                <a:solidFill>
-                  <a:srgbClr val="000000"/>
-                </a:solidFill>
-              </a:endParaRPr>
-            </a:p>
-          </p:txBody>
-        </p:sp>
-        <p:sp>
-          <p:nvSpPr>
-            <p:cNvPr id="7" name="Rectangle 6"/>
-            <p:cNvSpPr/>
-            <p:nvPr/>
-          </p:nvSpPr>
-          <p:spPr>
-            <a:xfrm>
-              <a:off x="6274965" y="613990"/>
-              <a:ext cx="1122106" cy="532581"/>
-            </a:xfrm>
-            <a:prstGeom prst="rect">
-              <a:avLst/>
-            </a:prstGeom>
-            <a:noFill/>
-            <a:ln>
-              <a:solidFill>
-                <a:schemeClr val="tx1"/>
-              </a:solidFill>
-            </a:ln>
-            <a:effectLst/>
-          </p:spPr>
-          <p:style>
-            <a:lnRef idx="1">
-              <a:schemeClr val="accent1"/>
-            </a:lnRef>
-            <a:fillRef idx="3">
-              <a:schemeClr val="accent1"/>
-            </a:fillRef>
-            <a:effectRef idx="2">
-              <a:schemeClr val="accent1"/>
-            </a:effectRef>
-            <a:fontRef idx="minor">
-              <a:schemeClr val="lt1"/>
-            </a:fontRef>
-          </p:style>
-          <p:txBody>
-            <a:bodyPr anchor="ctr" anchorCtr="0"/>
-            <a:lstStyle/>
-            <a:p>
-              <a:pPr algn="ctr"/>
-              <a:r>
-                <a:rPr lang="en-US" sz="1200" dirty="0" smtClean="0">
-                  <a:solidFill>
-                    <a:srgbClr val="000000"/>
-                  </a:solidFill>
-                </a:rPr>
-                <a:t>Image Processor</a:t>
               </a:r>
               <a:endParaRPr lang="en-US" sz="1200" dirty="0">
                 <a:solidFill>
@@ -3826,11 +3769,7 @@
               <a:pPr algn="ctr"/>
               <a:r>
                 <a:rPr lang="en-US" sz="1200" dirty="0" smtClean="0"/>
-                <a:t>External</a:t>
-              </a:r>
-              <a:r>
-                <a:rPr lang="en-US" sz="1200" dirty="0" smtClean="0"/>
-                <a:t>/ Environment</a:t>
+                <a:t>External/ Environment</a:t>
               </a:r>
               <a:endParaRPr lang="en-US" sz="1200" dirty="0"/>
             </a:p>
@@ -4266,55 +4205,15 @@
           <p:nvCxnSpPr>
             <p:cNvPr id="70" name="Straight Arrow Connector 69"/>
             <p:cNvCxnSpPr>
-              <a:stCxn id="7" idx="1"/>
+              <a:stCxn id="6" idx="1"/>
               <a:endCxn id="5" idx="3"/>
             </p:cNvCxnSpPr>
             <p:nvPr/>
           </p:nvCxnSpPr>
           <p:spPr>
-            <a:xfrm flipH="1">
-              <a:off x="5908899" y="880281"/>
-              <a:ext cx="366066" cy="1"/>
-            </a:xfrm>
-            <a:prstGeom prst="straightConnector1">
-              <a:avLst/>
-            </a:prstGeom>
-            <a:ln>
-              <a:solidFill>
-                <a:schemeClr val="tx1"/>
-              </a:solidFill>
-              <a:tailEnd type="arrow"/>
-            </a:ln>
-            <a:effectLst/>
-          </p:spPr>
-          <p:style>
-            <a:lnRef idx="2">
-              <a:schemeClr val="accent1"/>
-            </a:lnRef>
-            <a:fillRef idx="0">
-              <a:schemeClr val="accent1"/>
-            </a:fillRef>
-            <a:effectRef idx="1">
-              <a:schemeClr val="accent1"/>
-            </a:effectRef>
-            <a:fontRef idx="minor">
-              <a:schemeClr val="tx1"/>
-            </a:fontRef>
-          </p:style>
-        </p:cxnSp>
-        <p:cxnSp>
-          <p:nvCxnSpPr>
-            <p:cNvPr id="76" name="Straight Arrow Connector 75"/>
-            <p:cNvCxnSpPr>
-              <a:stCxn id="6" idx="0"/>
-              <a:endCxn id="7" idx="2"/>
-            </p:cNvCxnSpPr>
-            <p:nvPr/>
-          </p:nvCxnSpPr>
-          <p:spPr>
-            <a:xfrm flipV="1">
-              <a:off x="6829344" y="1146571"/>
-              <a:ext cx="0" cy="277862"/>
+            <a:xfrm flipH="1" flipV="1">
+              <a:off x="5908898" y="880281"/>
+              <a:ext cx="366066" cy="0"/>
             </a:xfrm>
             <a:prstGeom prst="straightConnector1">
               <a:avLst/>
